--- a/port_versions/Komponensek.pptx
+++ b/port_versions/Komponensek.pptx
@@ -11,6 +11,7 @@
     <p:sldId id="259" r:id="rId5"/>
     <p:sldId id="260" r:id="rId6"/>
     <p:sldId id="261" r:id="rId7"/>
+    <p:sldId id="262" r:id="rId8"/>
   </p:sldIdLst>
   <p:sldSz cx="12192000" cy="6858000"/>
   <p:notesSz cx="6858000" cy="9144000"/>
@@ -117,6 +118,10 @@
 </p:presentation>
 </file>
 
+<file path=ppt/revisionInfo.xml><?xml version="1.0" encoding="utf-8"?>
+<p1510:revInfo xmlns:a="http://schemas.openxmlformats.org/drawingml/2006/main" xmlns:r="http://schemas.openxmlformats.org/officeDocument/2006/relationships" xmlns:p1510="http://schemas.microsoft.com/office/powerpoint/2015/10/main"/>
+</file>
+
 <file path=ppt/slideLayouts/slideLayout1.xml><?xml version="1.0" encoding="utf-8"?>
 <p:sldLayout xmlns:a="http://schemas.openxmlformats.org/drawingml/2006/main" xmlns:r="http://schemas.openxmlformats.org/officeDocument/2006/relationships" xmlns:p="http://schemas.openxmlformats.org/presentationml/2006/main" type="title" preserve="1">
   <p:cSld name="Title Slide">
@@ -159,7 +164,7 @@
           </a:lstStyle>
           <a:p>
             <a:r>
-              <a:rPr lang="en-US" smtClean="0"/>
+              <a:rPr lang="en-US"/>
               <a:t>Click to edit Master title style</a:t>
             </a:r>
             <a:endParaRPr lang="hu-HU"/>
@@ -224,7 +229,7 @@
           </a:lstStyle>
           <a:p>
             <a:r>
-              <a:rPr lang="en-US" smtClean="0"/>
+              <a:rPr lang="en-US"/>
               <a:t>Click to edit Master subtitle style</a:t>
             </a:r>
             <a:endParaRPr lang="hu-HU"/>
@@ -248,7 +253,7 @@
           <a:p>
             <a:fld id="{D9EDFA60-1A64-4ABF-999F-AF6484C479E9}" type="datetimeFigureOut">
               <a:rPr lang="hu-HU" smtClean="0"/>
-              <a:t>2017.11.24.</a:t>
+              <a:t>2017. 11. 27.</a:t>
             </a:fld>
             <a:endParaRPr lang="hu-HU"/>
           </a:p>
@@ -342,7 +347,7 @@
           <a:lstStyle/>
           <a:p>
             <a:r>
-              <a:rPr lang="en-US" smtClean="0"/>
+              <a:rPr lang="en-US"/>
               <a:t>Click to edit Master title style</a:t>
             </a:r>
             <a:endParaRPr lang="hu-HU"/>
@@ -366,35 +371,35 @@
           <a:p>
             <a:pPr lvl="0"/>
             <a:r>
-              <a:rPr lang="en-US" smtClean="0"/>
+              <a:rPr lang="en-US"/>
               <a:t>Edit Master text styles</a:t>
             </a:r>
           </a:p>
           <a:p>
             <a:pPr lvl="1"/>
             <a:r>
-              <a:rPr lang="en-US" smtClean="0"/>
+              <a:rPr lang="en-US"/>
               <a:t>Second level</a:t>
             </a:r>
           </a:p>
           <a:p>
             <a:pPr lvl="2"/>
             <a:r>
-              <a:rPr lang="en-US" smtClean="0"/>
+              <a:rPr lang="en-US"/>
               <a:t>Third level</a:t>
             </a:r>
           </a:p>
           <a:p>
             <a:pPr lvl="3"/>
             <a:r>
-              <a:rPr lang="en-US" smtClean="0"/>
+              <a:rPr lang="en-US"/>
               <a:t>Fourth level</a:t>
             </a:r>
           </a:p>
           <a:p>
             <a:pPr lvl="4"/>
             <a:r>
-              <a:rPr lang="en-US" smtClean="0"/>
+              <a:rPr lang="en-US"/>
               <a:t>Fifth level</a:t>
             </a:r>
             <a:endParaRPr lang="hu-HU"/>
@@ -418,7 +423,7 @@
           <a:p>
             <a:fld id="{D9EDFA60-1A64-4ABF-999F-AF6484C479E9}" type="datetimeFigureOut">
               <a:rPr lang="hu-HU" smtClean="0"/>
-              <a:t>2017.11.24.</a:t>
+              <a:t>2017. 11. 27.</a:t>
             </a:fld>
             <a:endParaRPr lang="hu-HU"/>
           </a:p>
@@ -517,7 +522,7 @@
           <a:lstStyle/>
           <a:p>
             <a:r>
-              <a:rPr lang="en-US" smtClean="0"/>
+              <a:rPr lang="en-US"/>
               <a:t>Click to edit Master title style</a:t>
             </a:r>
             <a:endParaRPr lang="hu-HU"/>
@@ -546,35 +551,35 @@
           <a:p>
             <a:pPr lvl="0"/>
             <a:r>
-              <a:rPr lang="en-US" smtClean="0"/>
+              <a:rPr lang="en-US"/>
               <a:t>Edit Master text styles</a:t>
             </a:r>
           </a:p>
           <a:p>
             <a:pPr lvl="1"/>
             <a:r>
-              <a:rPr lang="en-US" smtClean="0"/>
+              <a:rPr lang="en-US"/>
               <a:t>Second level</a:t>
             </a:r>
           </a:p>
           <a:p>
             <a:pPr lvl="2"/>
             <a:r>
-              <a:rPr lang="en-US" smtClean="0"/>
+              <a:rPr lang="en-US"/>
               <a:t>Third level</a:t>
             </a:r>
           </a:p>
           <a:p>
             <a:pPr lvl="3"/>
             <a:r>
-              <a:rPr lang="en-US" smtClean="0"/>
+              <a:rPr lang="en-US"/>
               <a:t>Fourth level</a:t>
             </a:r>
           </a:p>
           <a:p>
             <a:pPr lvl="4"/>
             <a:r>
-              <a:rPr lang="en-US" smtClean="0"/>
+              <a:rPr lang="en-US"/>
               <a:t>Fifth level</a:t>
             </a:r>
             <a:endParaRPr lang="hu-HU"/>
@@ -598,7 +603,7 @@
           <a:p>
             <a:fld id="{D9EDFA60-1A64-4ABF-999F-AF6484C479E9}" type="datetimeFigureOut">
               <a:rPr lang="hu-HU" smtClean="0"/>
-              <a:t>2017.11.24.</a:t>
+              <a:t>2017. 11. 27.</a:t>
             </a:fld>
             <a:endParaRPr lang="hu-HU"/>
           </a:p>
@@ -692,7 +697,7 @@
           <a:lstStyle/>
           <a:p>
             <a:r>
-              <a:rPr lang="en-US" smtClean="0"/>
+              <a:rPr lang="en-US"/>
               <a:t>Click to edit Master title style</a:t>
             </a:r>
             <a:endParaRPr lang="hu-HU"/>
@@ -716,35 +721,35 @@
           <a:p>
             <a:pPr lvl="0"/>
             <a:r>
-              <a:rPr lang="en-US" smtClean="0"/>
+              <a:rPr lang="en-US"/>
               <a:t>Edit Master text styles</a:t>
             </a:r>
           </a:p>
           <a:p>
             <a:pPr lvl="1"/>
             <a:r>
-              <a:rPr lang="en-US" smtClean="0"/>
+              <a:rPr lang="en-US"/>
               <a:t>Second level</a:t>
             </a:r>
           </a:p>
           <a:p>
             <a:pPr lvl="2"/>
             <a:r>
-              <a:rPr lang="en-US" smtClean="0"/>
+              <a:rPr lang="en-US"/>
               <a:t>Third level</a:t>
             </a:r>
           </a:p>
           <a:p>
             <a:pPr lvl="3"/>
             <a:r>
-              <a:rPr lang="en-US" smtClean="0"/>
+              <a:rPr lang="en-US"/>
               <a:t>Fourth level</a:t>
             </a:r>
           </a:p>
           <a:p>
             <a:pPr lvl="4"/>
             <a:r>
-              <a:rPr lang="en-US" smtClean="0"/>
+              <a:rPr lang="en-US"/>
               <a:t>Fifth level</a:t>
             </a:r>
             <a:endParaRPr lang="hu-HU"/>
@@ -768,7 +773,7 @@
           <a:p>
             <a:fld id="{D9EDFA60-1A64-4ABF-999F-AF6484C479E9}" type="datetimeFigureOut">
               <a:rPr lang="hu-HU" smtClean="0"/>
-              <a:t>2017.11.24.</a:t>
+              <a:t>2017. 11. 27.</a:t>
             </a:fld>
             <a:endParaRPr lang="hu-HU"/>
           </a:p>
@@ -871,7 +876,7 @@
           </a:lstStyle>
           <a:p>
             <a:r>
-              <a:rPr lang="en-US" smtClean="0"/>
+              <a:rPr lang="en-US"/>
               <a:t>Click to edit Master title style</a:t>
             </a:r>
             <a:endParaRPr lang="hu-HU"/>
@@ -991,7 +996,7 @@
           <a:p>
             <a:pPr lvl="0"/>
             <a:r>
-              <a:rPr lang="en-US" smtClean="0"/>
+              <a:rPr lang="en-US"/>
               <a:t>Edit Master text styles</a:t>
             </a:r>
           </a:p>
@@ -1014,7 +1019,7 @@
           <a:p>
             <a:fld id="{D9EDFA60-1A64-4ABF-999F-AF6484C479E9}" type="datetimeFigureOut">
               <a:rPr lang="hu-HU" smtClean="0"/>
-              <a:t>2017.11.24.</a:t>
+              <a:t>2017. 11. 27.</a:t>
             </a:fld>
             <a:endParaRPr lang="hu-HU"/>
           </a:p>
@@ -1108,7 +1113,7 @@
           <a:lstStyle/>
           <a:p>
             <a:r>
-              <a:rPr lang="en-US" smtClean="0"/>
+              <a:rPr lang="en-US"/>
               <a:t>Click to edit Master title style</a:t>
             </a:r>
             <a:endParaRPr lang="hu-HU"/>
@@ -1137,35 +1142,35 @@
           <a:p>
             <a:pPr lvl="0"/>
             <a:r>
-              <a:rPr lang="en-US" smtClean="0"/>
+              <a:rPr lang="en-US"/>
               <a:t>Edit Master text styles</a:t>
             </a:r>
           </a:p>
           <a:p>
             <a:pPr lvl="1"/>
             <a:r>
-              <a:rPr lang="en-US" smtClean="0"/>
+              <a:rPr lang="en-US"/>
               <a:t>Second level</a:t>
             </a:r>
           </a:p>
           <a:p>
             <a:pPr lvl="2"/>
             <a:r>
-              <a:rPr lang="en-US" smtClean="0"/>
+              <a:rPr lang="en-US"/>
               <a:t>Third level</a:t>
             </a:r>
           </a:p>
           <a:p>
             <a:pPr lvl="3"/>
             <a:r>
-              <a:rPr lang="en-US" smtClean="0"/>
+              <a:rPr lang="en-US"/>
               <a:t>Fourth level</a:t>
             </a:r>
           </a:p>
           <a:p>
             <a:pPr lvl="4"/>
             <a:r>
-              <a:rPr lang="en-US" smtClean="0"/>
+              <a:rPr lang="en-US"/>
               <a:t>Fifth level</a:t>
             </a:r>
             <a:endParaRPr lang="hu-HU"/>
@@ -1194,35 +1199,35 @@
           <a:p>
             <a:pPr lvl="0"/>
             <a:r>
-              <a:rPr lang="en-US" smtClean="0"/>
+              <a:rPr lang="en-US"/>
               <a:t>Edit Master text styles</a:t>
             </a:r>
           </a:p>
           <a:p>
             <a:pPr lvl="1"/>
             <a:r>
-              <a:rPr lang="en-US" smtClean="0"/>
+              <a:rPr lang="en-US"/>
               <a:t>Second level</a:t>
             </a:r>
           </a:p>
           <a:p>
             <a:pPr lvl="2"/>
             <a:r>
-              <a:rPr lang="en-US" smtClean="0"/>
+              <a:rPr lang="en-US"/>
               <a:t>Third level</a:t>
             </a:r>
           </a:p>
           <a:p>
             <a:pPr lvl="3"/>
             <a:r>
-              <a:rPr lang="en-US" smtClean="0"/>
+              <a:rPr lang="en-US"/>
               <a:t>Fourth level</a:t>
             </a:r>
           </a:p>
           <a:p>
             <a:pPr lvl="4"/>
             <a:r>
-              <a:rPr lang="en-US" smtClean="0"/>
+              <a:rPr lang="en-US"/>
               <a:t>Fifth level</a:t>
             </a:r>
             <a:endParaRPr lang="hu-HU"/>
@@ -1246,7 +1251,7 @@
           <a:p>
             <a:fld id="{D9EDFA60-1A64-4ABF-999F-AF6484C479E9}" type="datetimeFigureOut">
               <a:rPr lang="hu-HU" smtClean="0"/>
-              <a:t>2017.11.24.</a:t>
+              <a:t>2017. 11. 27.</a:t>
             </a:fld>
             <a:endParaRPr lang="hu-HU"/>
           </a:p>
@@ -1345,7 +1350,7 @@
           <a:lstStyle/>
           <a:p>
             <a:r>
-              <a:rPr lang="en-US" smtClean="0"/>
+              <a:rPr lang="en-US"/>
               <a:t>Click to edit Master title style</a:t>
             </a:r>
             <a:endParaRPr lang="hu-HU"/>
@@ -1411,7 +1416,7 @@
           <a:p>
             <a:pPr lvl="0"/>
             <a:r>
-              <a:rPr lang="en-US" smtClean="0"/>
+              <a:rPr lang="en-US"/>
               <a:t>Edit Master text styles</a:t>
             </a:r>
           </a:p>
@@ -1439,35 +1444,35 @@
           <a:p>
             <a:pPr lvl="0"/>
             <a:r>
-              <a:rPr lang="en-US" smtClean="0"/>
+              <a:rPr lang="en-US"/>
               <a:t>Edit Master text styles</a:t>
             </a:r>
           </a:p>
           <a:p>
             <a:pPr lvl="1"/>
             <a:r>
-              <a:rPr lang="en-US" smtClean="0"/>
+              <a:rPr lang="en-US"/>
               <a:t>Second level</a:t>
             </a:r>
           </a:p>
           <a:p>
             <a:pPr lvl="2"/>
             <a:r>
-              <a:rPr lang="en-US" smtClean="0"/>
+              <a:rPr lang="en-US"/>
               <a:t>Third level</a:t>
             </a:r>
           </a:p>
           <a:p>
             <a:pPr lvl="3"/>
             <a:r>
-              <a:rPr lang="en-US" smtClean="0"/>
+              <a:rPr lang="en-US"/>
               <a:t>Fourth level</a:t>
             </a:r>
           </a:p>
           <a:p>
             <a:pPr lvl="4"/>
             <a:r>
-              <a:rPr lang="en-US" smtClean="0"/>
+              <a:rPr lang="en-US"/>
               <a:t>Fifth level</a:t>
             </a:r>
             <a:endParaRPr lang="hu-HU"/>
@@ -1533,7 +1538,7 @@
           <a:p>
             <a:pPr lvl="0"/>
             <a:r>
-              <a:rPr lang="en-US" smtClean="0"/>
+              <a:rPr lang="en-US"/>
               <a:t>Edit Master text styles</a:t>
             </a:r>
           </a:p>
@@ -1561,35 +1566,35 @@
           <a:p>
             <a:pPr lvl="0"/>
             <a:r>
-              <a:rPr lang="en-US" smtClean="0"/>
+              <a:rPr lang="en-US"/>
               <a:t>Edit Master text styles</a:t>
             </a:r>
           </a:p>
           <a:p>
             <a:pPr lvl="1"/>
             <a:r>
-              <a:rPr lang="en-US" smtClean="0"/>
+              <a:rPr lang="en-US"/>
               <a:t>Second level</a:t>
             </a:r>
           </a:p>
           <a:p>
             <a:pPr lvl="2"/>
             <a:r>
-              <a:rPr lang="en-US" smtClean="0"/>
+              <a:rPr lang="en-US"/>
               <a:t>Third level</a:t>
             </a:r>
           </a:p>
           <a:p>
             <a:pPr lvl="3"/>
             <a:r>
-              <a:rPr lang="en-US" smtClean="0"/>
+              <a:rPr lang="en-US"/>
               <a:t>Fourth level</a:t>
             </a:r>
           </a:p>
           <a:p>
             <a:pPr lvl="4"/>
             <a:r>
-              <a:rPr lang="en-US" smtClean="0"/>
+              <a:rPr lang="en-US"/>
               <a:t>Fifth level</a:t>
             </a:r>
             <a:endParaRPr lang="hu-HU"/>
@@ -1613,7 +1618,7 @@
           <a:p>
             <a:fld id="{D9EDFA60-1A64-4ABF-999F-AF6484C479E9}" type="datetimeFigureOut">
               <a:rPr lang="hu-HU" smtClean="0"/>
-              <a:t>2017.11.24.</a:t>
+              <a:t>2017. 11. 27.</a:t>
             </a:fld>
             <a:endParaRPr lang="hu-HU"/>
           </a:p>
@@ -1707,7 +1712,7 @@
           <a:lstStyle/>
           <a:p>
             <a:r>
-              <a:rPr lang="en-US" smtClean="0"/>
+              <a:rPr lang="en-US"/>
               <a:t>Click to edit Master title style</a:t>
             </a:r>
             <a:endParaRPr lang="hu-HU"/>
@@ -1731,7 +1736,7 @@
           <a:p>
             <a:fld id="{D9EDFA60-1A64-4ABF-999F-AF6484C479E9}" type="datetimeFigureOut">
               <a:rPr lang="hu-HU" smtClean="0"/>
-              <a:t>2017.11.24.</a:t>
+              <a:t>2017. 11. 27.</a:t>
             </a:fld>
             <a:endParaRPr lang="hu-HU"/>
           </a:p>
@@ -1826,7 +1831,7 @@
           <a:p>
             <a:fld id="{D9EDFA60-1A64-4ABF-999F-AF6484C479E9}" type="datetimeFigureOut">
               <a:rPr lang="hu-HU" smtClean="0"/>
-              <a:t>2017.11.24.</a:t>
+              <a:t>2017. 11. 27.</a:t>
             </a:fld>
             <a:endParaRPr lang="hu-HU"/>
           </a:p>
@@ -1929,7 +1934,7 @@
           </a:lstStyle>
           <a:p>
             <a:r>
-              <a:rPr lang="en-US" smtClean="0"/>
+              <a:rPr lang="en-US"/>
               <a:t>Click to edit Master title style</a:t>
             </a:r>
             <a:endParaRPr lang="hu-HU"/>
@@ -1986,35 +1991,35 @@
           <a:p>
             <a:pPr lvl="0"/>
             <a:r>
-              <a:rPr lang="en-US" smtClean="0"/>
+              <a:rPr lang="en-US"/>
               <a:t>Edit Master text styles</a:t>
             </a:r>
           </a:p>
           <a:p>
             <a:pPr lvl="1"/>
             <a:r>
-              <a:rPr lang="en-US" smtClean="0"/>
+              <a:rPr lang="en-US"/>
               <a:t>Second level</a:t>
             </a:r>
           </a:p>
           <a:p>
             <a:pPr lvl="2"/>
             <a:r>
-              <a:rPr lang="en-US" smtClean="0"/>
+              <a:rPr lang="en-US"/>
               <a:t>Third level</a:t>
             </a:r>
           </a:p>
           <a:p>
             <a:pPr lvl="3"/>
             <a:r>
-              <a:rPr lang="en-US" smtClean="0"/>
+              <a:rPr lang="en-US"/>
               <a:t>Fourth level</a:t>
             </a:r>
           </a:p>
           <a:p>
             <a:pPr lvl="4"/>
             <a:r>
-              <a:rPr lang="en-US" smtClean="0"/>
+              <a:rPr lang="en-US"/>
               <a:t>Fifth level</a:t>
             </a:r>
             <a:endParaRPr lang="hu-HU"/>
@@ -2080,7 +2085,7 @@
           <a:p>
             <a:pPr lvl="0"/>
             <a:r>
-              <a:rPr lang="en-US" smtClean="0"/>
+              <a:rPr lang="en-US"/>
               <a:t>Edit Master text styles</a:t>
             </a:r>
           </a:p>
@@ -2103,7 +2108,7 @@
           <a:p>
             <a:fld id="{D9EDFA60-1A64-4ABF-999F-AF6484C479E9}" type="datetimeFigureOut">
               <a:rPr lang="hu-HU" smtClean="0"/>
-              <a:t>2017.11.24.</a:t>
+              <a:t>2017. 11. 27.</a:t>
             </a:fld>
             <a:endParaRPr lang="hu-HU"/>
           </a:p>
@@ -2206,7 +2211,7 @@
           </a:lstStyle>
           <a:p>
             <a:r>
-              <a:rPr lang="en-US" smtClean="0"/>
+              <a:rPr lang="en-US"/>
               <a:t>Click to edit Master title style</a:t>
             </a:r>
             <a:endParaRPr lang="hu-HU"/>
@@ -2333,7 +2338,7 @@
           <a:p>
             <a:pPr lvl="0"/>
             <a:r>
-              <a:rPr lang="en-US" smtClean="0"/>
+              <a:rPr lang="en-US"/>
               <a:t>Edit Master text styles</a:t>
             </a:r>
           </a:p>
@@ -2356,7 +2361,7 @@
           <a:p>
             <a:fld id="{D9EDFA60-1A64-4ABF-999F-AF6484C479E9}" type="datetimeFigureOut">
               <a:rPr lang="hu-HU" smtClean="0"/>
-              <a:t>2017.11.24.</a:t>
+              <a:t>2017. 11. 27.</a:t>
             </a:fld>
             <a:endParaRPr lang="hu-HU"/>
           </a:p>
@@ -2465,7 +2470,7 @@
           <a:lstStyle/>
           <a:p>
             <a:r>
-              <a:rPr lang="en-US" smtClean="0"/>
+              <a:rPr lang="en-US"/>
               <a:t>Click to edit Master title style</a:t>
             </a:r>
             <a:endParaRPr lang="hu-HU"/>
@@ -2499,35 +2504,35 @@
           <a:p>
             <a:pPr lvl="0"/>
             <a:r>
-              <a:rPr lang="en-US" smtClean="0"/>
+              <a:rPr lang="en-US"/>
               <a:t>Edit Master text styles</a:t>
             </a:r>
           </a:p>
           <a:p>
             <a:pPr lvl="1"/>
             <a:r>
-              <a:rPr lang="en-US" smtClean="0"/>
+              <a:rPr lang="en-US"/>
               <a:t>Second level</a:t>
             </a:r>
           </a:p>
           <a:p>
             <a:pPr lvl="2"/>
             <a:r>
-              <a:rPr lang="en-US" smtClean="0"/>
+              <a:rPr lang="en-US"/>
               <a:t>Third level</a:t>
             </a:r>
           </a:p>
           <a:p>
             <a:pPr lvl="3"/>
             <a:r>
-              <a:rPr lang="en-US" smtClean="0"/>
+              <a:rPr lang="en-US"/>
               <a:t>Fourth level</a:t>
             </a:r>
           </a:p>
           <a:p>
             <a:pPr lvl="4"/>
             <a:r>
-              <a:rPr lang="en-US" smtClean="0"/>
+              <a:rPr lang="en-US"/>
               <a:t>Fifth level</a:t>
             </a:r>
             <a:endParaRPr lang="hu-HU"/>
@@ -2569,7 +2574,7 @@
           <a:p>
             <a:fld id="{D9EDFA60-1A64-4ABF-999F-AF6484C479E9}" type="datetimeFigureOut">
               <a:rPr lang="hu-HU" smtClean="0"/>
-              <a:t>2017.11.24.</a:t>
+              <a:t>2017. 11. 27.</a:t>
             </a:fld>
             <a:endParaRPr lang="hu-HU"/>
           </a:p>
@@ -2990,10 +2995,9 @@
           <a:lstStyle/>
           <a:p>
             <a:r>
-              <a:rPr lang="hu-HU" dirty="0" smtClean="0"/>
+              <a:rPr lang="hu-HU" dirty="0"/>
               <a:t>Komponensek</a:t>
             </a:r>
-            <a:endParaRPr lang="hu-HU" dirty="0"/>
           </a:p>
         </p:txBody>
       </p:sp>
@@ -3042,11 +3046,11 @@
           <a:bodyPr/>
           <a:lstStyle/>
           <a:p>
-            <a:r>
-              <a:rPr lang="hu-HU" dirty="0" smtClean="0"/>
+            <a:pPr algn="ctr"/>
+            <a:r>
+              <a:rPr lang="hu-HU" dirty="0"/>
               <a:t>Portok</a:t>
             </a:r>
-            <a:endParaRPr lang="hu-HU" dirty="0"/>
           </a:p>
         </p:txBody>
       </p:sp>
@@ -3066,28 +3070,35 @@
           <a:lstStyle/>
           <a:p>
             <a:r>
-              <a:rPr lang="hu-HU" dirty="0" smtClean="0"/>
-              <a:t>Logikai egység adattagja, kommunikációs pontot reprezentál</a:t>
-            </a:r>
-          </a:p>
-          <a:p>
-            <a:r>
-              <a:rPr lang="hu-HU" dirty="0" smtClean="0"/>
-              <a:t>Lehet egy primitív típus is akár (int), de lehet típusozni valamilyen interfaccel is -&gt; ez van a mi esetünkben is</a:t>
-            </a:r>
-          </a:p>
-          <a:p>
-            <a:r>
-              <a:rPr lang="hu-HU" dirty="0" smtClean="0"/>
-              <a:t>A szolgálatott interface-vel típusozzuk, az elvált interfacet pedig használja az adott port. </a:t>
-            </a:r>
-          </a:p>
-          <a:p>
-            <a:r>
-              <a:rPr lang="hu-HU" dirty="0" smtClean="0"/>
+              <a:rPr lang="hu-HU" dirty="0"/>
+              <a:t>Logikai egység (pl. </a:t>
+            </a:r>
+            <a:r>
+              <a:rPr lang="hu-HU" dirty="0" err="1"/>
+              <a:t>class</a:t>
+            </a:r>
+            <a:r>
+              <a:rPr lang="hu-HU" dirty="0"/>
+              <a:t>) adattagja, kommunikációs pontot reprezentál</a:t>
+            </a:r>
+          </a:p>
+          <a:p>
+            <a:r>
+              <a:rPr lang="hu-HU" dirty="0"/>
+              <a:t>Lehet egy primitív típus is akár (int), de lehet típusozni valamilyen interfésszel is -&gt; ez van a mi esetünkben is</a:t>
+            </a:r>
+          </a:p>
+          <a:p>
+            <a:r>
+              <a:rPr lang="hu-HU" dirty="0"/>
+              <a:t>A szolgáltatott interfésszel típusozzuk, az elvárt interfészt pedig használja az adott port. </a:t>
+            </a:r>
+          </a:p>
+          <a:p>
+            <a:r>
+              <a:rPr lang="hu-HU" dirty="0"/>
               <a:t>A szolgáltatott interface azt mondja meg, milyen üzeneteket fogadhatunk (receve), az elvárt, hogy milyeneket küldhetünk (send)</a:t>
             </a:r>
-            <a:endParaRPr lang="hu-HU" dirty="0"/>
           </a:p>
         </p:txBody>
       </p:sp>
@@ -3138,10 +3149,9 @@
           <a:p>
             <a:pPr algn="ctr"/>
             <a:r>
-              <a:rPr lang="hu-HU" dirty="0" smtClean="0"/>
-              <a:t>Behvaior port, connectinok</a:t>
-            </a:r>
-            <a:endParaRPr lang="hu-HU" dirty="0"/>
+              <a:rPr lang="hu-HU" dirty="0"/>
+              <a:t>Port típusai</a:t>
+            </a:r>
           </a:p>
         </p:txBody>
       </p:sp>
@@ -3161,20 +3171,50 @@
           <a:lstStyle/>
           <a:p>
             <a:r>
-              <a:rPr lang="hu-HU" dirty="0" smtClean="0"/>
+              <a:rPr lang="hu-HU" dirty="0" err="1"/>
+              <a:t>Behavior</a:t>
+            </a:r>
+            <a:r>
+              <a:rPr lang="hu-HU" dirty="0"/>
+              <a:t> port:</a:t>
+            </a:r>
+          </a:p>
+          <a:p>
+            <a:r>
+              <a:rPr lang="hu-HU" dirty="0"/>
               <a:t>Össze van kötve az objektum állapotgépével</a:t>
             </a:r>
           </a:p>
           <a:p>
             <a:r>
-              <a:rPr lang="hu-HU" dirty="0" smtClean="0"/>
+              <a:rPr lang="hu-HU" dirty="0"/>
               <a:t>Végső soron egy behavior portba futnak be az üzenetek</a:t>
             </a:r>
           </a:p>
           <a:p>
             <a:r>
-              <a:rPr lang="hu-HU" dirty="0" smtClean="0"/>
+              <a:rPr lang="hu-HU" dirty="0"/>
               <a:t>Átmeneteknél egy új dimenzió, hogy melyik portról jött az üzenet. (UML-ben többet is felsorolhatunk, txtUML-ben csak egyet..)</a:t>
+            </a:r>
+          </a:p>
+          <a:p>
+            <a:r>
+              <a:rPr lang="hu-HU" dirty="0"/>
+              <a:t>Port: Nincs összekötve az objektum állapotgépével</a:t>
+            </a:r>
+          </a:p>
+          <a:p>
+            <a:r>
+              <a:rPr lang="hu-HU" dirty="0"/>
+              <a:t>Általában két komponens között tartja a kapcsolatot, és lefele delegál. (Mivel üzenet fogadásnál nem tud állapotgép felé közvetíteni üzenetet, így csak egy belső komponens </a:t>
+            </a:r>
+            <a:r>
+              <a:rPr lang="hu-HU" dirty="0" err="1"/>
+              <a:t>portjára</a:t>
+            </a:r>
+            <a:r>
+              <a:rPr lang="hu-HU" dirty="0"/>
+              <a:t> tud)</a:t>
             </a:r>
           </a:p>
         </p:txBody>
@@ -3224,11 +3264,11 @@
           <a:bodyPr/>
           <a:lstStyle/>
           <a:p>
-            <a:r>
-              <a:rPr lang="hu-HU" dirty="0" smtClean="0"/>
+            <a:pPr algn="ctr"/>
+            <a:r>
+              <a:rPr lang="hu-HU" dirty="0"/>
               <a:t>Connectinok</a:t>
             </a:r>
-            <a:endParaRPr lang="hu-HU" dirty="0"/>
           </a:p>
         </p:txBody>
       </p:sp>
@@ -3248,19 +3288,19 @@
           <a:lstStyle/>
           <a:p>
             <a:r>
-              <a:rPr lang="hu-HU" dirty="0" smtClean="0"/>
+              <a:rPr lang="hu-HU" dirty="0"/>
               <a:t>Kétféle kapcsolat létezik: Delegation, illetve assembly</a:t>
             </a:r>
           </a:p>
           <a:p>
             <a:r>
-              <a:rPr lang="hu-HU" dirty="0" smtClean="0"/>
+              <a:rPr lang="hu-HU" dirty="0"/>
               <a:t>Delegation: Azonos interfészű portokat köt össze, amikor egy portra küldünk egy üzenetet, azt delegálja a a kapcsolat másik végén lévő port számára. Szülő és gyerek között állhat fent.</a:t>
             </a:r>
           </a:p>
           <a:p>
             <a:r>
-              <a:rPr lang="hu-HU" dirty="0" smtClean="0"/>
+              <a:rPr lang="hu-HU" dirty="0"/>
               <a:t>Assmebly: A szolgáltott és elválrt interfészeknek azonosnak kell lennie. (Ami az egyik oldalon az elvárt, a másik oldalon a szolgáltaott interfész) Kölcsönös kommunikáció valósul meg. Azonos szinten lévő komponensek között állhat csak fent.</a:t>
             </a:r>
           </a:p>
@@ -3579,10 +3619,9 @@
             <a:lstStyle/>
             <a:p>
               <a:r>
-                <a:rPr lang="hu-HU" sz="4400" dirty="0" smtClean="0"/>
+                <a:rPr lang="hu-HU" sz="4400" dirty="0"/>
                 <a:t>Server</a:t>
               </a:r>
-              <a:endParaRPr lang="hu-HU" sz="4400" dirty="0"/>
             </a:p>
           </p:txBody>
         </p:sp>
@@ -3609,10 +3648,9 @@
             <a:lstStyle/>
             <a:p>
               <a:r>
-                <a:rPr lang="hu-HU" sz="4400" dirty="0" smtClean="0"/>
+                <a:rPr lang="hu-HU" sz="4400" dirty="0"/>
                 <a:t>SC2</a:t>
               </a:r>
-              <a:endParaRPr lang="hu-HU" sz="4400" dirty="0"/>
             </a:p>
           </p:txBody>
         </p:sp>
@@ -3639,10 +3677,9 @@
             <a:lstStyle/>
             <a:p>
               <a:r>
-                <a:rPr lang="hu-HU" sz="4400" dirty="0" smtClean="0"/>
+                <a:rPr lang="hu-HU" sz="4400" dirty="0"/>
                 <a:t>SC1</a:t>
               </a:r>
-              <a:endParaRPr lang="hu-HU" sz="4400" dirty="0"/>
             </a:p>
           </p:txBody>
         </p:sp>
@@ -3775,10 +3812,9 @@
             <a:lstStyle/>
             <a:p>
               <a:r>
-                <a:rPr lang="hu-HU" dirty="0" smtClean="0"/>
+                <a:rPr lang="hu-HU" dirty="0"/>
                 <a:t>Assembly</a:t>
               </a:r>
-              <a:endParaRPr lang="hu-HU" dirty="0"/>
             </a:p>
           </p:txBody>
         </p:sp>
@@ -3805,10 +3841,9 @@
             <a:lstStyle/>
             <a:p>
               <a:r>
-                <a:rPr lang="hu-HU" dirty="0" smtClean="0"/>
+                <a:rPr lang="hu-HU" dirty="0"/>
                 <a:t>Delegation</a:t>
               </a:r>
-              <a:endParaRPr lang="hu-HU" dirty="0"/>
             </a:p>
           </p:txBody>
         </p:sp>
@@ -3917,10 +3952,9 @@
           <a:lstStyle/>
           <a:p>
             <a:r>
-              <a:rPr lang="hu-HU" sz="4400" dirty="0" smtClean="0"/>
+              <a:rPr lang="hu-HU" sz="4400" dirty="0"/>
               <a:t>Client</a:t>
             </a:r>
-            <a:endParaRPr lang="hu-HU" sz="4400" dirty="0"/>
           </a:p>
         </p:txBody>
       </p:sp>
@@ -3980,10 +4014,9 @@
           <a:lstStyle/>
           <a:p>
             <a:r>
-              <a:rPr lang="hu-HU" dirty="0" smtClean="0"/>
+              <a:rPr lang="hu-HU" dirty="0"/>
               <a:t>Assembly</a:t>
             </a:r>
-            <a:endParaRPr lang="hu-HU" dirty="0"/>
           </a:p>
         </p:txBody>
       </p:sp>
@@ -4039,10 +4072,9 @@
           <a:p>
             <a:pPr algn="ctr"/>
             <a:r>
-              <a:rPr lang="hu-HU" dirty="0" smtClean="0"/>
+              <a:rPr lang="hu-HU" dirty="0"/>
               <a:t>UML-es reprezentáció nehézségek</a:t>
             </a:r>
-            <a:endParaRPr lang="hu-HU" dirty="0"/>
           </a:p>
         </p:txBody>
       </p:sp>
@@ -4064,59 +4096,96 @@
         </p:spPr>
         <p:txBody>
           <a:bodyPr>
-            <a:normAutofit lnSpcReduction="10000"/>
+            <a:normAutofit fontScale="92500" lnSpcReduction="10000"/>
           </a:bodyPr>
           <a:lstStyle/>
           <a:p>
             <a:r>
-              <a:rPr lang="hu-HU" dirty="0" smtClean="0"/>
-              <a:t>Nincs olyan akció, amely a portra küld üzenetet. Azonban a send object action-nek target helyett adhatunk egy portot, amin keresztül üzenetet szeretnénk küldeni.</a:t>
-            </a:r>
-          </a:p>
-          <a:p>
-            <a:r>
-              <a:rPr lang="hu-HU" dirty="0" smtClean="0"/>
-              <a:t>Connect: Több lehetséges implementáció, kérdéses, hogy melyik a helyes</a:t>
-            </a:r>
-          </a:p>
-          <a:p>
-            <a:r>
-              <a:rPr lang="hu-HU" dirty="0" smtClean="0"/>
-              <a:t>Értékül adjuk egymásnak a két portot, amit össze akarunk kötni: Techinkailag lehetséges, de helytelen, nem vesszük figyelembe a connectort.</a:t>
-            </a:r>
-          </a:p>
-          <a:p>
-            <a:r>
-              <a:rPr lang="hu-HU" dirty="0" smtClean="0"/>
+              <a:rPr lang="hu-HU" dirty="0"/>
+              <a:t>Nincs olyan akció, amely a portra küld üzenetet. Azonban a send object </a:t>
+            </a:r>
+            <a:r>
+              <a:rPr lang="hu-HU" dirty="0" err="1"/>
+              <a:t>action-nek</a:t>
+            </a:r>
+            <a:r>
+              <a:rPr lang="hu-HU" dirty="0"/>
+              <a:t> megadhatunk egy portot, amin keresztül üzenetet szeretnénk küldeni. Másik alternatíva, hogy a </a:t>
+            </a:r>
+            <a:r>
+              <a:rPr lang="hu-HU" dirty="0" err="1"/>
+              <a:t>tartget</a:t>
+            </a:r>
+            <a:r>
+              <a:rPr lang="hu-HU" dirty="0"/>
+              <a:t> maga a port, mint </a:t>
+            </a:r>
+            <a:r>
+              <a:rPr lang="hu-HU" dirty="0" err="1"/>
+              <a:t>property</a:t>
+            </a:r>
+            <a:r>
+              <a:rPr lang="hu-HU" dirty="0"/>
+              <a:t>. </a:t>
+            </a:r>
+          </a:p>
+          <a:p>
+            <a:r>
+              <a:rPr lang="hu-HU" dirty="0" err="1"/>
+              <a:t>Connect</a:t>
+            </a:r>
+            <a:r>
+              <a:rPr lang="hu-HU" dirty="0"/>
+              <a:t>: Több lehetséges implementáció, kérdéses, hogy melyik a helyes</a:t>
+            </a:r>
+          </a:p>
+          <a:p>
+            <a:r>
+              <a:rPr lang="hu-HU" dirty="0"/>
+              <a:t>Értékül adjuk egymásnak a két portot, amit össze akarunk kötni (mivel a port </a:t>
+            </a:r>
+            <a:r>
+              <a:rPr lang="hu-HU" dirty="0" err="1"/>
+              <a:t>property</a:t>
+            </a:r>
+            <a:r>
+              <a:rPr lang="hu-HU" dirty="0"/>
+              <a:t>, így megtehetjük): Techinkailag lehetséges, de helytelen, nem vesszük figyelembe a </a:t>
+            </a:r>
+            <a:r>
+              <a:rPr lang="hu-HU" dirty="0" err="1"/>
+              <a:t>connectort</a:t>
+            </a:r>
+            <a:r>
+              <a:rPr lang="hu-HU" dirty="0"/>
+              <a:t>. (ez van most implementálva)</a:t>
+            </a:r>
+          </a:p>
+          <a:p>
+            <a:r>
+              <a:rPr lang="hu-HU" dirty="0"/>
               <a:t>Automatikusan generáljuk a connectecet a connectorok és struktúra alapján, ergo UML-be meg sem jelenik explicit a connect. (Nem mindig egyértelmű ez a struktúra nálunk..)</a:t>
             </a:r>
           </a:p>
           <a:p>
             <a:r>
-              <a:rPr lang="hu-HU" dirty="0" smtClean="0"/>
-              <a:t>A szabvány szerint egy connector tipusozható egy asszocicióval </a:t>
-            </a:r>
-            <a:r>
-              <a:rPr lang="hu-HU" dirty="0" smtClean="0"/>
-              <a:t>(</a:t>
-            </a:r>
-            <a:r>
-              <a:rPr lang="hu-HU" dirty="0" smtClean="0"/>
-              <a:t>Probléma: mi ez az asszociűció??</a:t>
-            </a:r>
-            <a:r>
-              <a:rPr lang="hu-HU" dirty="0" smtClean="0"/>
-              <a:t>) </a:t>
-            </a:r>
-            <a:r>
-              <a:rPr lang="hu-HU" dirty="0" smtClean="0"/>
-              <a:t>-&gt; Ekkor gond nélkül megy a connect, mivel </a:t>
-            </a:r>
-            <a:r>
-              <a:rPr lang="hu-HU" dirty="0" smtClean="0"/>
-              <a:t>a creat link akció működik</a:t>
-            </a:r>
-            <a:endParaRPr lang="hu-HU" dirty="0" smtClean="0"/>
+              <a:rPr lang="hu-HU" dirty="0"/>
+              <a:t>A szabvány szerint egy connector tipusozható egy asszocicióval (Probléma: mi ez az </a:t>
+            </a:r>
+            <a:r>
+              <a:rPr lang="hu-HU" dirty="0" err="1"/>
+              <a:t>asszociűció</a:t>
+            </a:r>
+            <a:r>
+              <a:rPr lang="hu-HU" dirty="0"/>
+              <a:t>?) -&gt; Ekkor gond nélkül megy a connect, mivel a creat link akció működik</a:t>
+            </a:r>
+          </a:p>
+          <a:p>
+            <a:r>
+              <a:rPr lang="hu-HU" dirty="0"/>
+              <a:t>Jelenleg 1-1 port asszociációkat támogatunk</a:t>
+            </a:r>
           </a:p>
         </p:txBody>
       </p:sp>
@@ -4124,6 +4193,130 @@
     <p:extLst>
       <p:ext uri="{BB962C8B-B14F-4D97-AF65-F5344CB8AC3E}">
         <p14:creationId xmlns:p14="http://schemas.microsoft.com/office/powerpoint/2010/main" val="3997018701"/>
+      </p:ext>
+    </p:extLst>
+  </p:cSld>
+  <p:clrMapOvr>
+    <a:masterClrMapping/>
+  </p:clrMapOvr>
+</p:sld>
+</file>
+
+<file path=ppt/slides/slide7.xml><?xml version="1.0" encoding="utf-8"?>
+<p:sld xmlns:a="http://schemas.openxmlformats.org/drawingml/2006/main" xmlns:r="http://schemas.openxmlformats.org/officeDocument/2006/relationships" xmlns:p="http://schemas.openxmlformats.org/presentationml/2006/main">
+  <p:cSld>
+    <p:spTree>
+      <p:nvGrpSpPr>
+        <p:cNvPr id="1" name=""/>
+        <p:cNvGrpSpPr/>
+        <p:nvPr/>
+      </p:nvGrpSpPr>
+      <p:grpSpPr>
+        <a:xfrm>
+          <a:off x="0" y="0"/>
+          <a:ext cx="0" cy="0"/>
+          <a:chOff x="0" y="0"/>
+          <a:chExt cx="0" cy="0"/>
+        </a:xfrm>
+      </p:grpSpPr>
+      <p:sp>
+        <p:nvSpPr>
+          <p:cNvPr id="2" name="Cím 1">
+            <a:extLst>
+              <a:ext uri="{FF2B5EF4-FFF2-40B4-BE49-F238E27FC236}">
+                <a16:creationId xmlns:a16="http://schemas.microsoft.com/office/drawing/2014/main" id="{2C79075D-9971-4C50-9125-D19081662272}"/>
+              </a:ext>
+            </a:extLst>
+          </p:cNvPr>
+          <p:cNvSpPr>
+            <a:spLocks noGrp="1"/>
+          </p:cNvSpPr>
+          <p:nvPr>
+            <p:ph type="title"/>
+          </p:nvPr>
+        </p:nvSpPr>
+        <p:spPr/>
+        <p:txBody>
+          <a:bodyPr/>
+          <a:lstStyle/>
+          <a:p>
+            <a:pPr algn="ctr"/>
+            <a:r>
+              <a:rPr lang="hu-HU" dirty="0"/>
+              <a:t>Miért jók a portok?</a:t>
+            </a:r>
+          </a:p>
+        </p:txBody>
+      </p:sp>
+      <p:sp>
+        <p:nvSpPr>
+          <p:cNvPr id="3" name="Tartalom helye 2">
+            <a:extLst>
+              <a:ext uri="{FF2B5EF4-FFF2-40B4-BE49-F238E27FC236}">
+                <a16:creationId xmlns:a16="http://schemas.microsoft.com/office/drawing/2014/main" id="{B8976F14-D60B-47A9-94DE-8F2C3E39F593}"/>
+              </a:ext>
+            </a:extLst>
+          </p:cNvPr>
+          <p:cNvSpPr>
+            <a:spLocks noGrp="1"/>
+          </p:cNvSpPr>
+          <p:nvPr>
+            <p:ph idx="1"/>
+          </p:nvPr>
+        </p:nvSpPr>
+        <p:spPr/>
+        <p:txBody>
+          <a:bodyPr/>
+          <a:lstStyle/>
+          <a:p>
+            <a:r>
+              <a:rPr lang="hu-HU" dirty="0"/>
+              <a:t>Teljesen függetlenít egy komponenst a külvilágtól</a:t>
+            </a:r>
+          </a:p>
+          <a:p>
+            <a:r>
+              <a:rPr lang="hu-HU" dirty="0"/>
+              <a:t>Explicit asszociációk helyett </a:t>
+            </a:r>
+            <a:r>
+              <a:rPr lang="hu-HU" dirty="0" err="1"/>
+              <a:t>connectorok</a:t>
+            </a:r>
+            <a:r>
+              <a:rPr lang="hu-HU" dirty="0"/>
+              <a:t>, melynek a végpontja változhat</a:t>
+            </a:r>
+          </a:p>
+          <a:p>
+            <a:r>
+              <a:rPr lang="hu-HU" dirty="0"/>
+              <a:t>Nincs közvetlen referencia egy objektumra Az álom az volt, hogy kommunikációs protokoll legyen akár testre szabható (pl. </a:t>
+            </a:r>
+            <a:r>
+              <a:rPr lang="hu-HU" dirty="0" err="1"/>
+              <a:t>socet</a:t>
+            </a:r>
+            <a:r>
+              <a:rPr lang="hu-HU" dirty="0"/>
+              <a:t>)</a:t>
+            </a:r>
+          </a:p>
+          <a:p>
+            <a:r>
+              <a:rPr lang="hu-HU" dirty="0"/>
+              <a:t>Probléma: a szülőnek mindig van referenciája a gyerek objektumra a szabvány szerint, így szinkronhívások lehetnek</a:t>
+            </a:r>
+          </a:p>
+          <a:p>
+            <a:endParaRPr lang="hu-HU" dirty="0"/>
+          </a:p>
+        </p:txBody>
+      </p:sp>
+    </p:spTree>
+    <p:extLst>
+      <p:ext uri="{BB962C8B-B14F-4D97-AF65-F5344CB8AC3E}">
+        <p14:creationId xmlns:p14="http://schemas.microsoft.com/office/powerpoint/2010/main" val="3595550351"/>
       </p:ext>
     </p:extLst>
   </p:cSld>

--- a/port_versions/Komponensek.pptx
+++ b/port_versions/Komponensek.pptx
@@ -253,7 +253,7 @@
           <a:p>
             <a:fld id="{D9EDFA60-1A64-4ABF-999F-AF6484C479E9}" type="datetimeFigureOut">
               <a:rPr lang="hu-HU" smtClean="0"/>
-              <a:t>2017. 11. 27.</a:t>
+              <a:t>2017.11.29.</a:t>
             </a:fld>
             <a:endParaRPr lang="hu-HU"/>
           </a:p>
@@ -423,7 +423,7 @@
           <a:p>
             <a:fld id="{D9EDFA60-1A64-4ABF-999F-AF6484C479E9}" type="datetimeFigureOut">
               <a:rPr lang="hu-HU" smtClean="0"/>
-              <a:t>2017. 11. 27.</a:t>
+              <a:t>2017.11.29.</a:t>
             </a:fld>
             <a:endParaRPr lang="hu-HU"/>
           </a:p>
@@ -603,7 +603,7 @@
           <a:p>
             <a:fld id="{D9EDFA60-1A64-4ABF-999F-AF6484C479E9}" type="datetimeFigureOut">
               <a:rPr lang="hu-HU" smtClean="0"/>
-              <a:t>2017. 11. 27.</a:t>
+              <a:t>2017.11.29.</a:t>
             </a:fld>
             <a:endParaRPr lang="hu-HU"/>
           </a:p>
@@ -773,7 +773,7 @@
           <a:p>
             <a:fld id="{D9EDFA60-1A64-4ABF-999F-AF6484C479E9}" type="datetimeFigureOut">
               <a:rPr lang="hu-HU" smtClean="0"/>
-              <a:t>2017. 11. 27.</a:t>
+              <a:t>2017.11.29.</a:t>
             </a:fld>
             <a:endParaRPr lang="hu-HU"/>
           </a:p>
@@ -1019,7 +1019,7 @@
           <a:p>
             <a:fld id="{D9EDFA60-1A64-4ABF-999F-AF6484C479E9}" type="datetimeFigureOut">
               <a:rPr lang="hu-HU" smtClean="0"/>
-              <a:t>2017. 11. 27.</a:t>
+              <a:t>2017.11.29.</a:t>
             </a:fld>
             <a:endParaRPr lang="hu-HU"/>
           </a:p>
@@ -1251,7 +1251,7 @@
           <a:p>
             <a:fld id="{D9EDFA60-1A64-4ABF-999F-AF6484C479E9}" type="datetimeFigureOut">
               <a:rPr lang="hu-HU" smtClean="0"/>
-              <a:t>2017. 11. 27.</a:t>
+              <a:t>2017.11.29.</a:t>
             </a:fld>
             <a:endParaRPr lang="hu-HU"/>
           </a:p>
@@ -1618,7 +1618,7 @@
           <a:p>
             <a:fld id="{D9EDFA60-1A64-4ABF-999F-AF6484C479E9}" type="datetimeFigureOut">
               <a:rPr lang="hu-HU" smtClean="0"/>
-              <a:t>2017. 11. 27.</a:t>
+              <a:t>2017.11.29.</a:t>
             </a:fld>
             <a:endParaRPr lang="hu-HU"/>
           </a:p>
@@ -1736,7 +1736,7 @@
           <a:p>
             <a:fld id="{D9EDFA60-1A64-4ABF-999F-AF6484C479E9}" type="datetimeFigureOut">
               <a:rPr lang="hu-HU" smtClean="0"/>
-              <a:t>2017. 11. 27.</a:t>
+              <a:t>2017.11.29.</a:t>
             </a:fld>
             <a:endParaRPr lang="hu-HU"/>
           </a:p>
@@ -1831,7 +1831,7 @@
           <a:p>
             <a:fld id="{D9EDFA60-1A64-4ABF-999F-AF6484C479E9}" type="datetimeFigureOut">
               <a:rPr lang="hu-HU" smtClean="0"/>
-              <a:t>2017. 11. 27.</a:t>
+              <a:t>2017.11.29.</a:t>
             </a:fld>
             <a:endParaRPr lang="hu-HU"/>
           </a:p>
@@ -2108,7 +2108,7 @@
           <a:p>
             <a:fld id="{D9EDFA60-1A64-4ABF-999F-AF6484C479E9}" type="datetimeFigureOut">
               <a:rPr lang="hu-HU" smtClean="0"/>
-              <a:t>2017. 11. 27.</a:t>
+              <a:t>2017.11.29.</a:t>
             </a:fld>
             <a:endParaRPr lang="hu-HU"/>
           </a:p>
@@ -2361,7 +2361,7 @@
           <a:p>
             <a:fld id="{D9EDFA60-1A64-4ABF-999F-AF6484C479E9}" type="datetimeFigureOut">
               <a:rPr lang="hu-HU" smtClean="0"/>
-              <a:t>2017. 11. 27.</a:t>
+              <a:t>2017.11.29.</a:t>
             </a:fld>
             <a:endParaRPr lang="hu-HU"/>
           </a:p>
@@ -2574,7 +2574,7 @@
           <a:p>
             <a:fld id="{D9EDFA60-1A64-4ABF-999F-AF6484C479E9}" type="datetimeFigureOut">
               <a:rPr lang="hu-HU" smtClean="0"/>
-              <a:t>2017. 11. 27.</a:t>
+              <a:t>2017.11.29.</a:t>
             </a:fld>
             <a:endParaRPr lang="hu-HU"/>
           </a:p>
@@ -3085,20 +3085,47 @@
           <a:p>
             <a:r>
               <a:rPr lang="hu-HU" dirty="0"/>
-              <a:t>Lehet egy primitív típus is akár (int), de lehet típusozni valamilyen interfésszel is -&gt; ez van a mi esetünkben is</a:t>
-            </a:r>
-          </a:p>
-          <a:p>
+              <a:t>Lehet egy primitív típus is akár </a:t>
+            </a:r>
+            <a:r>
+              <a:rPr lang="hu-HU" dirty="0" smtClean="0"/>
+              <a:t>(pl. int</a:t>
+            </a:r>
             <a:r>
               <a:rPr lang="hu-HU" dirty="0"/>
-              <a:t>A szolgáltatott interfésszel típusozzuk, az elvárt interfészt pedig használja az adott port. </a:t>
+              <a:t>), de lehet típusozni valamilyen interfésszel is -&gt; ez van a mi esetünkben is</a:t>
             </a:r>
           </a:p>
           <a:p>
             <a:r>
               <a:rPr lang="hu-HU" dirty="0"/>
-              <a:t>A szolgáltatott interface azt mondja meg, milyen üzeneteket fogadhatunk (receve), az elvárt, hogy milyeneket küldhetünk (send)</a:t>
-            </a:r>
+              <a:t>A szolgáltatott interfésszel típusozzuk, az elvárt interfészt pedig </a:t>
+            </a:r>
+            <a:r>
+              <a:rPr lang="hu-HU" dirty="0" smtClean="0"/>
+              <a:t>használja (using reláció) </a:t>
+            </a:r>
+            <a:r>
+              <a:rPr lang="hu-HU" dirty="0"/>
+              <a:t>az adott port. </a:t>
+            </a:r>
+          </a:p>
+          <a:p>
+            <a:r>
+              <a:rPr lang="hu-HU" dirty="0"/>
+              <a:t>A szolgáltatott interface azt mondja meg, milyen üzeneteket fogadhatunk (receve), az elvárt, hogy milyeneket küldhetünk (send</a:t>
+            </a:r>
+            <a:r>
+              <a:rPr lang="hu-HU" dirty="0" smtClean="0"/>
+              <a:t>)</a:t>
+            </a:r>
+          </a:p>
+          <a:p>
+            <a:r>
+              <a:rPr lang="hu-HU" dirty="0" smtClean="0"/>
+              <a:t>Jelnleg a c++ exportbe a required imterfacből származik le egy port, így kap olyan receptionöket, melyekre szüksége van</a:t>
+            </a:r>
+            <a:endParaRPr lang="hu-HU" dirty="0"/>
           </a:p>
         </p:txBody>
       </p:sp>
@@ -3206,7 +3233,15 @@
           <a:p>
             <a:r>
               <a:rPr lang="hu-HU" dirty="0"/>
-              <a:t>Általában két komponens között tartja a kapcsolatot, és lefele delegál. (Mivel üzenet fogadásnál nem tud állapotgép felé közvetíteni üzenetet, így csak egy belső komponens </a:t>
+              <a:t>Általában két </a:t>
+            </a:r>
+            <a:r>
+              <a:rPr lang="hu-HU" dirty="0" smtClean="0"/>
+              <a:t>magasabb szintű komponens </a:t>
+            </a:r>
+            <a:r>
+              <a:rPr lang="hu-HU" dirty="0"/>
+              <a:t>között tartja a kapcsolatot, és lefele delegál. (Mivel üzenet fogadásnál nem tud állapotgép felé közvetíteni üzenetet, így csak egy belső komponens </a:t>
             </a:r>
             <a:r>
               <a:rPr lang="hu-HU" dirty="0" err="1"/>
@@ -3266,9 +3301,10 @@
           <a:p>
             <a:pPr algn="ctr"/>
             <a:r>
-              <a:rPr lang="hu-HU" dirty="0"/>
-              <a:t>Connectinok</a:t>
-            </a:r>
+              <a:rPr lang="hu-HU" dirty="0" smtClean="0"/>
+              <a:t>Connectinök</a:t>
+            </a:r>
+            <a:endParaRPr lang="hu-HU" dirty="0"/>
           </a:p>
         </p:txBody>
       </p:sp>
@@ -3284,7 +3320,9 @@
         </p:nvSpPr>
         <p:spPr/>
         <p:txBody>
-          <a:bodyPr/>
+          <a:bodyPr>
+            <a:normAutofit lnSpcReduction="10000"/>
+          </a:bodyPr>
           <a:lstStyle/>
           <a:p>
             <a:r>
@@ -3305,6 +3343,10 @@
             </a:r>
           </a:p>
           <a:p>
+            <a:r>
+              <a:rPr lang="hu-HU" dirty="0" smtClean="0"/>
+              <a:t>Az exporterben két külön osztályként jelenik meg, így virtualizáció segítségével döntjük el, hogy üzenetküldésnél delegációra vagy fgadásra van-e szükség</a:t>
+            </a:r>
             <a:endParaRPr lang="hu-HU" dirty="0"/>
           </a:p>
         </p:txBody>
@@ -3339,6 +3381,49 @@
           <a:chExt cx="0" cy="0"/>
         </a:xfrm>
       </p:grpSpPr>
+      <p:sp>
+        <p:nvSpPr>
+          <p:cNvPr id="2" name="Rectangle 1"/>
+          <p:cNvSpPr/>
+          <p:nvPr/>
+        </p:nvSpPr>
+        <p:spPr>
+          <a:xfrm>
+            <a:off x="220920" y="94768"/>
+            <a:ext cx="11959389" cy="6740092"/>
+          </a:xfrm>
+          <a:prstGeom prst="rect">
+            <a:avLst/>
+          </a:prstGeom>
+          <a:solidFill>
+            <a:schemeClr val="bg1"/>
+          </a:solidFill>
+        </p:spPr>
+        <p:style>
+          <a:lnRef idx="2">
+            <a:schemeClr val="accent1">
+              <a:shade val="50000"/>
+            </a:schemeClr>
+          </a:lnRef>
+          <a:fillRef idx="1">
+            <a:schemeClr val="accent1"/>
+          </a:fillRef>
+          <a:effectRef idx="0">
+            <a:schemeClr val="accent1"/>
+          </a:effectRef>
+          <a:fontRef idx="minor">
+            <a:schemeClr val="lt1"/>
+          </a:fontRef>
+        </p:style>
+        <p:txBody>
+          <a:bodyPr rtlCol="0" anchor="ctr"/>
+          <a:lstStyle/>
+          <a:p>
+            <a:pPr algn="ctr"/>
+            <a:endParaRPr lang="hu-HU"/>
+          </a:p>
+        </p:txBody>
+      </p:sp>
       <p:grpSp>
         <p:nvGrpSpPr>
           <p:cNvPr id="26" name="Group 25"/>
@@ -4020,6 +4105,36 @@
           </a:p>
         </p:txBody>
       </p:sp>
+      <p:sp>
+        <p:nvSpPr>
+          <p:cNvPr id="3" name="TextBox 2"/>
+          <p:cNvSpPr txBox="1"/>
+          <p:nvPr/>
+        </p:nvSpPr>
+        <p:spPr>
+          <a:xfrm>
+            <a:off x="5511884" y="64318"/>
+            <a:ext cx="2335402" cy="707886"/>
+          </a:xfrm>
+          <a:prstGeom prst="rect">
+            <a:avLst/>
+          </a:prstGeom>
+          <a:noFill/>
+        </p:spPr>
+        <p:txBody>
+          <a:bodyPr wrap="square" rtlCol="0">
+            <a:spAutoFit/>
+          </a:bodyPr>
+          <a:lstStyle/>
+          <a:p>
+            <a:r>
+              <a:rPr lang="hu-HU" sz="4000" dirty="0" smtClean="0"/>
+              <a:t>System</a:t>
+            </a:r>
+            <a:endParaRPr lang="hu-HU" sz="4000" dirty="0"/>
+          </a:p>
+        </p:txBody>
+      </p:sp>
     </p:spTree>
     <p:extLst>
       <p:ext uri="{BB962C8B-B14F-4D97-AF65-F5344CB8AC3E}">
@@ -4096,47 +4211,35 @@
         </p:spPr>
         <p:txBody>
           <a:bodyPr>
-            <a:normAutofit fontScale="92500" lnSpcReduction="10000"/>
+            <a:normAutofit fontScale="92500" lnSpcReduction="20000"/>
           </a:bodyPr>
           <a:lstStyle/>
           <a:p>
             <a:r>
               <a:rPr lang="hu-HU" dirty="0"/>
-              <a:t>Nincs olyan akció, amely a portra küld üzenetet. Azonban a send object </a:t>
-            </a:r>
-            <a:r>
-              <a:rPr lang="hu-HU" dirty="0" err="1"/>
-              <a:t>action-nek</a:t>
+              <a:t>Nincs olyan akció, amely a portra küld üzenetet. Azonban a send object action-nek megadhatunk egy portot, amin keresztül üzenetet szeretnénk küldeni</a:t>
+            </a:r>
+            <a:r>
+              <a:rPr lang="hu-HU" dirty="0" smtClean="0"/>
+              <a:t>. (Minek is felel ez meg, send vagy receive – kifele vagy belefe küldünk üzenetet?) </a:t>
             </a:r>
             <a:r>
               <a:rPr lang="hu-HU" dirty="0"/>
-              <a:t> megadhatunk egy portot, amin keresztül üzenetet szeretnénk küldeni. Másik alternatíva, hogy a </a:t>
-            </a:r>
-            <a:r>
-              <a:rPr lang="hu-HU" dirty="0" err="1"/>
-              <a:t>tartget</a:t>
-            </a:r>
+              <a:t>Másik alternatíva, hogy a tartget maga a port, mint property. </a:t>
+            </a:r>
+          </a:p>
+          <a:p>
             <a:r>
               <a:rPr lang="hu-HU" dirty="0"/>
-              <a:t> maga a port, mint </a:t>
-            </a:r>
-            <a:r>
-              <a:rPr lang="hu-HU" dirty="0" err="1"/>
-              <a:t>property</a:t>
+              <a:t>Connect: Több lehetséges </a:t>
+            </a:r>
+            <a:r>
+              <a:rPr lang="hu-HU" dirty="0" smtClean="0"/>
+              <a:t>implementáció techicailag, </a:t>
             </a:r>
             <a:r>
               <a:rPr lang="hu-HU" dirty="0"/>
-              <a:t>. </a:t>
-            </a:r>
-          </a:p>
-          <a:p>
-            <a:r>
-              <a:rPr lang="hu-HU" dirty="0" err="1"/>
-              <a:t>Connect</a:t>
-            </a:r>
-            <a:r>
-              <a:rPr lang="hu-HU" dirty="0"/>
-              <a:t>: Több lehetséges implementáció, kérdéses, hogy melyik a helyes</a:t>
+              <a:t>kérdéses, hogy melyik a helyes</a:t>
             </a:r>
           </a:p>
           <a:p>
@@ -4291,22 +4394,47 @@
           <a:p>
             <a:r>
               <a:rPr lang="hu-HU" dirty="0"/>
-              <a:t>Nincs közvetlen referencia egy objektumra Az álom az volt, hogy kommunikációs protokoll legyen akár testre szabható (pl. </a:t>
-            </a:r>
-            <a:r>
-              <a:rPr lang="hu-HU" dirty="0" err="1"/>
-              <a:t>socet</a:t>
+              <a:t>Nincs közvetlen referencia egy </a:t>
+            </a:r>
+            <a:r>
+              <a:rPr lang="hu-HU" dirty="0" smtClean="0"/>
+              <a:t>objektumra: </a:t>
             </a:r>
             <a:r>
               <a:rPr lang="hu-HU" dirty="0"/>
-              <a:t>)</a:t>
-            </a:r>
-          </a:p>
-          <a:p>
+              <a:t>Az álom az volt, hogy kommunikációs protokoll legyen akár testre szabható (pl. </a:t>
+            </a:r>
+            <a:r>
+              <a:rPr lang="hu-HU" dirty="0" smtClean="0"/>
+              <a:t>socet)</a:t>
+            </a:r>
+          </a:p>
+          <a:p>
+            <a:r>
+              <a:rPr lang="hu-HU" dirty="0" smtClean="0"/>
+              <a:t>Problémák: </a:t>
+            </a:r>
             <a:r>
               <a:rPr lang="hu-HU" dirty="0"/>
-              <a:t>Probléma: a szülőnek mindig van referenciája a gyerek objektumra a szabvány szerint, így szinkronhívások lehetnek</a:t>
-            </a:r>
+              <a:t>több probléma merült fel, nagyon nehéz garantálni a </a:t>
+            </a:r>
+            <a:r>
+              <a:rPr lang="hu-HU" dirty="0" smtClean="0"/>
+              <a:t>szálbiztonságot, </a:t>
+            </a:r>
+            <a:r>
+              <a:rPr lang="hu-HU" dirty="0" smtClean="0"/>
+              <a:t>a </a:t>
+            </a:r>
+            <a:r>
+              <a:rPr lang="hu-HU" dirty="0"/>
+              <a:t>szülőnek mindig van referenciája a gyerek objektumra a szabvány szerint, így szinkronhívások </a:t>
+            </a:r>
+            <a:r>
+              <a:rPr lang="hu-HU" dirty="0" smtClean="0"/>
+              <a:t>lehetnek (Gábor ttdk munkája ilyesmiről szólt, de végül nem oldotta meg a problémát..)</a:t>
+            </a:r>
+            <a:endParaRPr lang="hu-HU" dirty="0"/>
           </a:p>
           <a:p>
             <a:endParaRPr lang="hu-HU" dirty="0"/>
